--- a/slides/week10~11.pptx
+++ b/slides/week10~11.pptx
@@ -18,9 +18,10 @@
     <p:sldId id="375" r:id="rId12"/>
     <p:sldId id="378" r:id="rId13"/>
     <p:sldId id="379" r:id="rId14"/>
-    <p:sldId id="357" r:id="rId15"/>
-    <p:sldId id="343" r:id="rId16"/>
-    <p:sldId id="308" r:id="rId17"/>
+    <p:sldId id="380" r:id="rId15"/>
+    <p:sldId id="357" r:id="rId16"/>
+    <p:sldId id="343" r:id="rId17"/>
+    <p:sldId id="308" r:id="rId18"/>
   </p:sldIdLst>
   <p:sldSz cx="12192000" cy="6858000"/>
   <p:notesSz cx="6858000" cy="9144000"/>
@@ -873,7 +874,7 @@
             <a:fld id="{B61BEF0D-F0BB-DE4B-95CE-6DB70DBA9567}" type="datetimeFigureOut">
               <a:rPr lang="en-US" dirty="0"/>
               <a:pPr/>
-              <a:t>5/6/2023</a:t>
+              <a:t>5/7/2023</a:t>
             </a:fld>
             <a:endParaRPr lang="en-US" dirty="0"/>
           </a:p>
@@ -1121,7 +1122,7 @@
             <a:fld id="{B61BEF0D-F0BB-DE4B-95CE-6DB70DBA9567}" type="datetimeFigureOut">
               <a:rPr lang="en-US" dirty="0"/>
               <a:pPr/>
-              <a:t>5/6/2023</a:t>
+              <a:t>5/7/2023</a:t>
             </a:fld>
             <a:endParaRPr lang="en-US" dirty="0"/>
           </a:p>
@@ -1432,7 +1433,7 @@
             <a:fld id="{B61BEF0D-F0BB-DE4B-95CE-6DB70DBA9567}" type="datetimeFigureOut">
               <a:rPr lang="en-US" dirty="0"/>
               <a:pPr/>
-              <a:t>5/6/2023</a:t>
+              <a:t>5/7/2023</a:t>
             </a:fld>
             <a:endParaRPr lang="en-US" dirty="0"/>
           </a:p>
@@ -1762,7 +1763,7 @@
             <a:fld id="{B61BEF0D-F0BB-DE4B-95CE-6DB70DBA9567}" type="datetimeFigureOut">
               <a:rPr lang="en-US" dirty="0"/>
               <a:pPr/>
-              <a:t>5/6/2023</a:t>
+              <a:t>5/7/2023</a:t>
             </a:fld>
             <a:endParaRPr lang="en-US" dirty="0"/>
           </a:p>
@@ -2073,7 +2074,7 @@
             <a:fld id="{B61BEF0D-F0BB-DE4B-95CE-6DB70DBA9567}" type="datetimeFigureOut">
               <a:rPr lang="en-US" dirty="0"/>
               <a:pPr/>
-              <a:t>5/6/2023</a:t>
+              <a:t>5/7/2023</a:t>
             </a:fld>
             <a:endParaRPr lang="en-US" dirty="0"/>
           </a:p>
@@ -2463,7 +2464,7 @@
             <a:fld id="{B61BEF0D-F0BB-DE4B-95CE-6DB70DBA9567}" type="datetimeFigureOut">
               <a:rPr lang="en-US" dirty="0"/>
               <a:pPr/>
-              <a:t>5/6/2023</a:t>
+              <a:t>5/7/2023</a:t>
             </a:fld>
             <a:endParaRPr lang="en-US" dirty="0"/>
           </a:p>
@@ -2629,7 +2630,7 @@
           <a:p>
             <a:fld id="{55C6B4A9-1611-4792-9094-5F34BCA07E0B}" type="datetimeFigureOut">
               <a:rPr lang="en-US" dirty="0"/>
-              <a:t>5/6/2023</a:t>
+              <a:t>5/7/2023</a:t>
             </a:fld>
             <a:endParaRPr lang="en-US" dirty="0"/>
           </a:p>
@@ -2805,7 +2806,7 @@
             <a:fld id="{B61BEF0D-F0BB-DE4B-95CE-6DB70DBA9567}" type="datetimeFigureOut">
               <a:rPr lang="en-US" dirty="0"/>
               <a:pPr/>
-              <a:t>5/6/2023</a:t>
+              <a:t>5/7/2023</a:t>
             </a:fld>
             <a:endParaRPr lang="en-US" dirty="0"/>
           </a:p>
@@ -2971,7 +2972,7 @@
           <a:p>
             <a:fld id="{42A54C80-263E-416B-A8E0-580EDEADCBDC}" type="datetimeFigureOut">
               <a:rPr lang="en-US" dirty="0"/>
-              <a:t>5/6/2023</a:t>
+              <a:t>5/7/2023</a:t>
             </a:fld>
             <a:endParaRPr lang="en-US" dirty="0"/>
           </a:p>
@@ -3214,7 +3215,7 @@
             <a:fld id="{B61BEF0D-F0BB-DE4B-95CE-6DB70DBA9567}" type="datetimeFigureOut">
               <a:rPr lang="en-US" dirty="0"/>
               <a:pPr/>
-              <a:t>5/6/2023</a:t>
+              <a:t>5/7/2023</a:t>
             </a:fld>
             <a:endParaRPr lang="en-US" dirty="0"/>
           </a:p>
@@ -3442,7 +3443,7 @@
           <a:p>
             <a:fld id="{42A54C80-263E-416B-A8E0-580EDEADCBDC}" type="datetimeFigureOut">
               <a:rPr lang="en-US" dirty="0"/>
-              <a:t>5/6/2023</a:t>
+              <a:t>5/7/2023</a:t>
             </a:fld>
             <a:endParaRPr lang="en-US" dirty="0"/>
           </a:p>
@@ -3812,7 +3813,7 @@
             <a:fld id="{B61BEF0D-F0BB-DE4B-95CE-6DB70DBA9567}" type="datetimeFigureOut">
               <a:rPr lang="en-US" dirty="0"/>
               <a:pPr/>
-              <a:t>5/6/2023</a:t>
+              <a:t>5/7/2023</a:t>
             </a:fld>
             <a:endParaRPr lang="en-US" dirty="0"/>
           </a:p>
@@ -3932,7 +3933,7 @@
             <a:fld id="{B61BEF0D-F0BB-DE4B-95CE-6DB70DBA9567}" type="datetimeFigureOut">
               <a:rPr lang="en-US" dirty="0"/>
               <a:pPr/>
-              <a:t>5/6/2023</a:t>
+              <a:t>5/7/2023</a:t>
             </a:fld>
             <a:endParaRPr lang="en-US" dirty="0"/>
           </a:p>
@@ -4024,7 +4025,7 @@
             <a:fld id="{B61BEF0D-F0BB-DE4B-95CE-6DB70DBA9567}" type="datetimeFigureOut">
               <a:rPr lang="en-US" dirty="0"/>
               <a:pPr/>
-              <a:t>5/6/2023</a:t>
+              <a:t>5/7/2023</a:t>
             </a:fld>
             <a:endParaRPr lang="en-US" dirty="0"/>
           </a:p>
@@ -4275,7 +4276,7 @@
           <a:p>
             <a:fld id="{42A54C80-263E-416B-A8E0-580EDEADCBDC}" type="datetimeFigureOut">
               <a:rPr lang="en-US" dirty="0"/>
-              <a:t>5/6/2023</a:t>
+              <a:t>5/7/2023</a:t>
             </a:fld>
             <a:endParaRPr lang="en-US" dirty="0"/>
           </a:p>
@@ -4577,7 +4578,7 @@
             <a:fld id="{B61BEF0D-F0BB-DE4B-95CE-6DB70DBA9567}" type="datetimeFigureOut">
               <a:rPr lang="en-US" dirty="0"/>
               <a:pPr/>
-              <a:t>5/6/2023</a:t>
+              <a:t>5/7/2023</a:t>
             </a:fld>
             <a:endParaRPr lang="en-US" dirty="0"/>
           </a:p>
@@ -5275,7 +5276,7 @@
             <a:fld id="{B61BEF0D-F0BB-DE4B-95CE-6DB70DBA9567}" type="datetimeFigureOut">
               <a:rPr lang="en-US" dirty="0"/>
               <a:pPr/>
-              <a:t>5/6/2023</a:t>
+              <a:t>5/7/2023</a:t>
             </a:fld>
             <a:endParaRPr lang="en-US" dirty="0"/>
           </a:p>
@@ -6643,23 +6644,18 @@
           <a:lstStyle/>
           <a:p>
             <a:r>
-              <a:rPr lang="en-US" altLang="zh-CN" dirty="0" err="1"/>
-              <a:t>todo</a:t>
-            </a:r>
-            <a:r>
-              <a:rPr lang="en-US" altLang="zh-CN" dirty="0"/>
-              <a:t> list</a:t>
-            </a:r>
-            <a:endParaRPr lang="zh-CN" altLang="en-US" dirty="0"/>
-          </a:p>
-        </p:txBody>
-      </p:sp>
-      <p:sp>
-        <p:nvSpPr>
-          <p:cNvPr id="3" name="内容占位符 2">
+              <a:rPr lang="zh-CN" altLang="en-US" dirty="0"/>
+              <a:t>完善测试框架</a:t>
+            </a:r>
+          </a:p>
+        </p:txBody>
+      </p:sp>
+      <p:sp>
+        <p:nvSpPr>
+          <p:cNvPr id="5" name="内容占位符 4">
             <a:extLst>
               <a:ext uri="{FF2B5EF4-FFF2-40B4-BE49-F238E27FC236}">
-                <a16:creationId xmlns:a16="http://schemas.microsoft.com/office/drawing/2014/main" id="{52F62A12-D4E0-4C0C-C0A0-B87454FA9007}"/>
+                <a16:creationId xmlns:a16="http://schemas.microsoft.com/office/drawing/2014/main" id="{CE317F8B-E41E-4B79-BA3B-B7CAA455EB77}"/>
               </a:ext>
             </a:extLst>
           </p:cNvPr>
@@ -6670,12 +6666,7 @@
             <p:ph idx="1"/>
           </p:nvPr>
         </p:nvSpPr>
-        <p:spPr>
-          <a:xfrm>
-            <a:off x="677334" y="1611949"/>
-            <a:ext cx="8933010" cy="4779707"/>
-          </a:xfrm>
-        </p:spPr>
+        <p:spPr/>
         <p:txBody>
           <a:bodyPr>
             <a:normAutofit/>
@@ -6683,177 +6674,71 @@
           <a:lstStyle/>
           <a:p>
             <a:r>
-              <a:rPr lang="en-US" altLang="zh-CN" sz="2600" dirty="0">
-                <a:solidFill>
-                  <a:srgbClr val="000000"/>
-                </a:solidFill>
-                <a:latin typeface="-apple-system"/>
-              </a:rPr>
-              <a:t>TODO</a:t>
-            </a:r>
-            <a:r>
-              <a:rPr lang="zh-CN" altLang="en-US" sz="2600" dirty="0">
-                <a:solidFill>
-                  <a:srgbClr val="000000"/>
-                </a:solidFill>
-                <a:latin typeface="-apple-system"/>
-              </a:rPr>
-              <a:t>：</a:t>
-            </a:r>
-            <a:endParaRPr lang="en-US" altLang="zh-CN" sz="2600" dirty="0">
-              <a:solidFill>
-                <a:srgbClr val="000000"/>
-              </a:solidFill>
-              <a:latin typeface="-apple-system"/>
-            </a:endParaRPr>
-          </a:p>
-          <a:p>
-            <a:r>
-              <a:rPr lang="zh-CN" altLang="en-US" sz="2600" dirty="0">
-                <a:solidFill>
-                  <a:srgbClr val="000000"/>
-                </a:solidFill>
-                <a:latin typeface="-apple-system"/>
-              </a:rPr>
-              <a:t>完善已有算法</a:t>
-            </a:r>
-            <a:endParaRPr lang="en-US" altLang="zh-CN" sz="2600" dirty="0">
-              <a:solidFill>
-                <a:srgbClr val="000000"/>
-              </a:solidFill>
-              <a:latin typeface="-apple-system"/>
-            </a:endParaRPr>
-          </a:p>
-          <a:p>
-            <a:r>
-              <a:rPr lang="zh-CN" altLang="en-US" sz="2600" dirty="0">
-                <a:solidFill>
-                  <a:srgbClr val="000000"/>
-                </a:solidFill>
-                <a:latin typeface="-apple-system"/>
-              </a:rPr>
-              <a:t>完善已有测试框架和测例</a:t>
-            </a:r>
-            <a:endParaRPr lang="en-US" altLang="zh-CN" sz="2600" dirty="0">
-              <a:solidFill>
-                <a:srgbClr val="000000"/>
-              </a:solidFill>
-              <a:latin typeface="-apple-system"/>
-            </a:endParaRPr>
-          </a:p>
-          <a:p>
-            <a:r>
-              <a:rPr lang="zh-CN" altLang="en-US" sz="2600" dirty="0">
-                <a:solidFill>
-                  <a:srgbClr val="000000"/>
-                </a:solidFill>
-                <a:latin typeface="-apple-system"/>
-              </a:rPr>
-              <a:t>实现</a:t>
-            </a:r>
-            <a:r>
-              <a:rPr lang="en-US" altLang="zh-CN" sz="2600" dirty="0">
-                <a:solidFill>
-                  <a:srgbClr val="000000"/>
-                </a:solidFill>
-                <a:latin typeface="-apple-system"/>
-              </a:rPr>
-              <a:t>rust</a:t>
-            </a:r>
-            <a:r>
-              <a:rPr lang="zh-CN" altLang="en-US" sz="2600" dirty="0">
-                <a:solidFill>
-                  <a:srgbClr val="000000"/>
-                </a:solidFill>
-                <a:latin typeface="-apple-system"/>
-              </a:rPr>
-              <a:t>版本，单线程的</a:t>
-            </a:r>
-            <a:r>
-              <a:rPr lang="en-US" altLang="zh-CN" sz="2600" dirty="0" err="1">
-                <a:solidFill>
-                  <a:srgbClr val="000000"/>
-                </a:solidFill>
-                <a:latin typeface="-apple-system"/>
-              </a:rPr>
-              <a:t>mimalloc</a:t>
-            </a:r>
-            <a:endParaRPr lang="en-US" altLang="zh-CN" sz="2600" dirty="0">
-              <a:solidFill>
-                <a:srgbClr val="000000"/>
-              </a:solidFill>
-              <a:latin typeface="-apple-system"/>
-            </a:endParaRPr>
-          </a:p>
-          <a:p>
-            <a:r>
-              <a:rPr lang="zh-CN" altLang="en-US" sz="2600" dirty="0">
-                <a:solidFill>
-                  <a:srgbClr val="000000"/>
-                </a:solidFill>
-                <a:latin typeface="-apple-system"/>
-              </a:rPr>
-              <a:t>实现</a:t>
-            </a:r>
-            <a:r>
-              <a:rPr lang="en-US" altLang="zh-CN" sz="2600" dirty="0">
-                <a:solidFill>
-                  <a:srgbClr val="000000"/>
-                </a:solidFill>
-                <a:latin typeface="-apple-system"/>
-              </a:rPr>
-              <a:t>rust</a:t>
-            </a:r>
-            <a:r>
-              <a:rPr lang="zh-CN" altLang="en-US" sz="2600" dirty="0">
-                <a:solidFill>
-                  <a:srgbClr val="000000"/>
-                </a:solidFill>
-                <a:latin typeface="-apple-system"/>
-              </a:rPr>
-              <a:t>版本，多线程的</a:t>
-            </a:r>
-            <a:r>
-              <a:rPr lang="en-US" altLang="zh-CN" sz="2600" dirty="0" err="1">
-                <a:solidFill>
-                  <a:srgbClr val="000000"/>
-                </a:solidFill>
-                <a:latin typeface="-apple-system"/>
-              </a:rPr>
-              <a:t>mimalloc</a:t>
-            </a:r>
-            <a:endParaRPr lang="en-US" altLang="zh-CN" sz="2600" dirty="0">
-              <a:solidFill>
-                <a:srgbClr val="000000"/>
-              </a:solidFill>
-              <a:latin typeface="-apple-system"/>
-            </a:endParaRPr>
-          </a:p>
-          <a:p>
-            <a:r>
-              <a:rPr lang="en-US" altLang="zh-CN" sz="2600" b="0" i="0" dirty="0">
-                <a:solidFill>
-                  <a:srgbClr val="000000"/>
-                </a:solidFill>
-                <a:effectLst/>
-                <a:latin typeface="-apple-system"/>
-              </a:rPr>
-              <a:t>……</a:t>
-            </a:r>
-            <a:endParaRPr lang="en-US" altLang="zh-CN" sz="2800" b="0" i="0" dirty="0">
-              <a:solidFill>
-                <a:srgbClr val="000000"/>
-              </a:solidFill>
-              <a:effectLst/>
-              <a:latin typeface="-apple-system"/>
-            </a:endParaRPr>
+              <a:rPr lang="zh-CN" altLang="en-US" sz="2800" dirty="0"/>
+              <a:t>目前发现的问题：</a:t>
+            </a:r>
+            <a:endParaRPr lang="en-US" altLang="zh-CN" sz="2800" dirty="0"/>
+          </a:p>
+          <a:p>
+            <a:r>
+              <a:rPr lang="zh-CN" altLang="en-US" sz="2800" dirty="0"/>
+              <a:t>在当前的用户态测试框架中不能在</a:t>
+            </a:r>
+            <a:r>
+              <a:rPr lang="en-US" altLang="zh-CN" sz="2800" dirty="0" err="1"/>
+              <a:t>alloc</a:t>
+            </a:r>
+            <a:r>
+              <a:rPr lang="zh-CN" altLang="en-US" sz="2800" dirty="0"/>
+              <a:t>或</a:t>
+            </a:r>
+            <a:r>
+              <a:rPr lang="en-US" altLang="zh-CN" sz="2800" dirty="0" err="1"/>
+              <a:t>delloac</a:t>
+            </a:r>
+            <a:r>
+              <a:rPr lang="zh-CN" altLang="en-US" sz="2800" dirty="0"/>
+              <a:t>函数中输出调试信息（无论采用</a:t>
+            </a:r>
+            <a:r>
+              <a:rPr lang="en-US" altLang="zh-CN" sz="2800" dirty="0" err="1"/>
+              <a:t>println</a:t>
+            </a:r>
+            <a:r>
+              <a:rPr lang="zh-CN" altLang="en-US" sz="2800" dirty="0"/>
+              <a:t>还是</a:t>
+            </a:r>
+            <a:r>
+              <a:rPr lang="en-US" altLang="zh-CN" sz="2800" dirty="0"/>
+              <a:t>log::debug</a:t>
+            </a:r>
+            <a:r>
+              <a:rPr lang="zh-CN" altLang="en-US" sz="2800" dirty="0"/>
+              <a:t>），都会无穷递归</a:t>
+            </a:r>
+            <a:r>
+              <a:rPr lang="en-US" altLang="zh-CN" sz="2800" dirty="0"/>
+              <a:t>/</a:t>
+            </a:r>
+            <a:r>
+              <a:rPr lang="zh-CN" altLang="en-US" sz="2800" dirty="0"/>
+              <a:t>直接报错退出</a:t>
+            </a:r>
+            <a:endParaRPr lang="en-US" altLang="zh-CN" sz="2800" dirty="0"/>
+          </a:p>
+          <a:p>
+            <a:r>
+              <a:rPr lang="zh-CN" altLang="en-US" sz="2800" dirty="0"/>
+              <a:t>因此暂时无法借助用户态测试调试代码，问题正在排查中</a:t>
+            </a:r>
+            <a:endParaRPr lang="en-US" altLang="zh-CN" sz="2800" dirty="0"/>
           </a:p>
         </p:txBody>
       </p:sp>
     </p:spTree>
     <p:extLst>
       <p:ext uri="{BB962C8B-B14F-4D97-AF65-F5344CB8AC3E}">
-        <p14:creationId xmlns:p14="http://schemas.microsoft.com/office/powerpoint/2010/main" val="2548974995"/>
+        <p14:creationId xmlns:p14="http://schemas.microsoft.com/office/powerpoint/2010/main" val="1893737492"/>
       </p:ext>
     </p:extLst>
   </p:cSld>
@@ -6902,6 +6787,265 @@
           <a:lstStyle/>
           <a:p>
             <a:r>
+              <a:rPr lang="en-US" altLang="zh-CN" dirty="0" err="1"/>
+              <a:t>todo</a:t>
+            </a:r>
+            <a:r>
+              <a:rPr lang="en-US" altLang="zh-CN" dirty="0"/>
+              <a:t> list</a:t>
+            </a:r>
+            <a:endParaRPr lang="zh-CN" altLang="en-US" dirty="0"/>
+          </a:p>
+        </p:txBody>
+      </p:sp>
+      <p:sp>
+        <p:nvSpPr>
+          <p:cNvPr id="3" name="内容占位符 2">
+            <a:extLst>
+              <a:ext uri="{FF2B5EF4-FFF2-40B4-BE49-F238E27FC236}">
+                <a16:creationId xmlns:a16="http://schemas.microsoft.com/office/drawing/2014/main" id="{52F62A12-D4E0-4C0C-C0A0-B87454FA9007}"/>
+              </a:ext>
+            </a:extLst>
+          </p:cNvPr>
+          <p:cNvSpPr>
+            <a:spLocks noGrp="1"/>
+          </p:cNvSpPr>
+          <p:nvPr>
+            <p:ph idx="1"/>
+          </p:nvPr>
+        </p:nvSpPr>
+        <p:spPr>
+          <a:xfrm>
+            <a:off x="677334" y="1611949"/>
+            <a:ext cx="8933010" cy="4779707"/>
+          </a:xfrm>
+        </p:spPr>
+        <p:txBody>
+          <a:bodyPr>
+            <a:normAutofit/>
+          </a:bodyPr>
+          <a:lstStyle/>
+          <a:p>
+            <a:r>
+              <a:rPr lang="en-US" altLang="zh-CN" sz="2600" dirty="0">
+                <a:solidFill>
+                  <a:srgbClr val="000000"/>
+                </a:solidFill>
+                <a:latin typeface="-apple-system"/>
+              </a:rPr>
+              <a:t>TODO</a:t>
+            </a:r>
+            <a:r>
+              <a:rPr lang="zh-CN" altLang="en-US" sz="2600" dirty="0">
+                <a:solidFill>
+                  <a:srgbClr val="000000"/>
+                </a:solidFill>
+                <a:latin typeface="-apple-system"/>
+              </a:rPr>
+              <a:t>：</a:t>
+            </a:r>
+            <a:endParaRPr lang="en-US" altLang="zh-CN" sz="2600" dirty="0">
+              <a:solidFill>
+                <a:srgbClr val="000000"/>
+              </a:solidFill>
+              <a:latin typeface="-apple-system"/>
+            </a:endParaRPr>
+          </a:p>
+          <a:p>
+            <a:r>
+              <a:rPr lang="zh-CN" altLang="en-US" sz="2600" dirty="0">
+                <a:solidFill>
+                  <a:srgbClr val="000000"/>
+                </a:solidFill>
+                <a:latin typeface="-apple-system"/>
+              </a:rPr>
+              <a:t>完善已有算法</a:t>
+            </a:r>
+            <a:endParaRPr lang="en-US" altLang="zh-CN" sz="2600" dirty="0">
+              <a:solidFill>
+                <a:srgbClr val="000000"/>
+              </a:solidFill>
+              <a:latin typeface="-apple-system"/>
+            </a:endParaRPr>
+          </a:p>
+          <a:p>
+            <a:r>
+              <a:rPr lang="zh-CN" altLang="en-US" sz="2600" dirty="0">
+                <a:solidFill>
+                  <a:srgbClr val="000000"/>
+                </a:solidFill>
+                <a:latin typeface="-apple-system"/>
+              </a:rPr>
+              <a:t>完善已有测试框架和测例</a:t>
+            </a:r>
+            <a:endParaRPr lang="en-US" altLang="zh-CN" sz="2600" dirty="0">
+              <a:solidFill>
+                <a:srgbClr val="000000"/>
+              </a:solidFill>
+              <a:latin typeface="-apple-system"/>
+            </a:endParaRPr>
+          </a:p>
+          <a:p>
+            <a:r>
+              <a:rPr lang="zh-CN" altLang="en-US" sz="2600" dirty="0">
+                <a:solidFill>
+                  <a:srgbClr val="000000"/>
+                </a:solidFill>
+                <a:latin typeface="-apple-system"/>
+              </a:rPr>
+              <a:t>实现</a:t>
+            </a:r>
+            <a:r>
+              <a:rPr lang="en-US" altLang="zh-CN" sz="2600" dirty="0">
+                <a:solidFill>
+                  <a:srgbClr val="000000"/>
+                </a:solidFill>
+                <a:latin typeface="-apple-system"/>
+              </a:rPr>
+              <a:t>rust</a:t>
+            </a:r>
+            <a:r>
+              <a:rPr lang="zh-CN" altLang="en-US" sz="2600" dirty="0">
+                <a:solidFill>
+                  <a:srgbClr val="000000"/>
+                </a:solidFill>
+                <a:latin typeface="-apple-system"/>
+              </a:rPr>
+              <a:t>版本，单线程的</a:t>
+            </a:r>
+            <a:r>
+              <a:rPr lang="en-US" altLang="zh-CN" sz="2600" dirty="0" err="1">
+                <a:solidFill>
+                  <a:srgbClr val="000000"/>
+                </a:solidFill>
+                <a:latin typeface="-apple-system"/>
+              </a:rPr>
+              <a:t>mimalloc</a:t>
+            </a:r>
+            <a:endParaRPr lang="en-US" altLang="zh-CN" sz="2600" dirty="0">
+              <a:solidFill>
+                <a:srgbClr val="000000"/>
+              </a:solidFill>
+              <a:latin typeface="-apple-system"/>
+            </a:endParaRPr>
+          </a:p>
+          <a:p>
+            <a:r>
+              <a:rPr lang="zh-CN" altLang="en-US" sz="2600" dirty="0">
+                <a:solidFill>
+                  <a:srgbClr val="000000"/>
+                </a:solidFill>
+                <a:latin typeface="-apple-system"/>
+              </a:rPr>
+              <a:t>实现</a:t>
+            </a:r>
+            <a:r>
+              <a:rPr lang="en-US" altLang="zh-CN" sz="2600" dirty="0">
+                <a:solidFill>
+                  <a:srgbClr val="000000"/>
+                </a:solidFill>
+                <a:latin typeface="-apple-system"/>
+              </a:rPr>
+              <a:t>rust</a:t>
+            </a:r>
+            <a:r>
+              <a:rPr lang="zh-CN" altLang="en-US" sz="2600" dirty="0">
+                <a:solidFill>
+                  <a:srgbClr val="000000"/>
+                </a:solidFill>
+                <a:latin typeface="-apple-system"/>
+              </a:rPr>
+              <a:t>版本，多线程的</a:t>
+            </a:r>
+            <a:r>
+              <a:rPr lang="en-US" altLang="zh-CN" sz="2600" dirty="0" err="1">
+                <a:solidFill>
+                  <a:srgbClr val="000000"/>
+                </a:solidFill>
+                <a:latin typeface="-apple-system"/>
+              </a:rPr>
+              <a:t>mimalloc</a:t>
+            </a:r>
+            <a:endParaRPr lang="en-US" altLang="zh-CN" sz="2600" dirty="0">
+              <a:solidFill>
+                <a:srgbClr val="000000"/>
+              </a:solidFill>
+              <a:latin typeface="-apple-system"/>
+            </a:endParaRPr>
+          </a:p>
+          <a:p>
+            <a:r>
+              <a:rPr lang="en-US" altLang="zh-CN" sz="2600" b="0" i="0" dirty="0">
+                <a:solidFill>
+                  <a:srgbClr val="000000"/>
+                </a:solidFill>
+                <a:effectLst/>
+                <a:latin typeface="-apple-system"/>
+              </a:rPr>
+              <a:t>……</a:t>
+            </a:r>
+            <a:endParaRPr lang="en-US" altLang="zh-CN" sz="2800" b="0" i="0" dirty="0">
+              <a:solidFill>
+                <a:srgbClr val="000000"/>
+              </a:solidFill>
+              <a:effectLst/>
+              <a:latin typeface="-apple-system"/>
+            </a:endParaRPr>
+          </a:p>
+        </p:txBody>
+      </p:sp>
+    </p:spTree>
+    <p:extLst>
+      <p:ext uri="{BB962C8B-B14F-4D97-AF65-F5344CB8AC3E}">
+        <p14:creationId xmlns:p14="http://schemas.microsoft.com/office/powerpoint/2010/main" val="2548974995"/>
+      </p:ext>
+    </p:extLst>
+  </p:cSld>
+  <p:clrMapOvr>
+    <a:masterClrMapping/>
+  </p:clrMapOvr>
+</p:sld>
+</file>
+
+<file path=ppt/slides/slide16.xml><?xml version="1.0" encoding="utf-8"?>
+<p:sld xmlns:a="http://schemas.openxmlformats.org/drawingml/2006/main" xmlns:r="http://schemas.openxmlformats.org/officeDocument/2006/relationships" xmlns:p="http://schemas.openxmlformats.org/presentationml/2006/main">
+  <p:cSld>
+    <p:spTree>
+      <p:nvGrpSpPr>
+        <p:cNvPr id="1" name=""/>
+        <p:cNvGrpSpPr/>
+        <p:nvPr/>
+      </p:nvGrpSpPr>
+      <p:grpSpPr>
+        <a:xfrm>
+          <a:off x="0" y="0"/>
+          <a:ext cx="0" cy="0"/>
+          <a:chOff x="0" y="0"/>
+          <a:chExt cx="0" cy="0"/>
+        </a:xfrm>
+      </p:grpSpPr>
+      <p:sp>
+        <p:nvSpPr>
+          <p:cNvPr id="2" name="标题 1">
+            <a:extLst>
+              <a:ext uri="{FF2B5EF4-FFF2-40B4-BE49-F238E27FC236}">
+                <a16:creationId xmlns:a16="http://schemas.microsoft.com/office/drawing/2014/main" id="{788FCFBC-8C4F-4007-D87C-673F5E242D75}"/>
+              </a:ext>
+            </a:extLst>
+          </p:cNvPr>
+          <p:cNvSpPr>
+            <a:spLocks noGrp="1"/>
+          </p:cNvSpPr>
+          <p:nvPr>
+            <p:ph type="title"/>
+          </p:nvPr>
+        </p:nvSpPr>
+        <p:spPr/>
+        <p:txBody>
+          <a:bodyPr/>
+          <a:lstStyle/>
+          <a:p>
+            <a:r>
               <a:rPr lang="en-US" altLang="zh-CN" dirty="0"/>
               <a:t>reference</a:t>
             </a:r>
@@ -7179,7 +7323,7 @@
 </p:sld>
 </file>
 
-<file path=ppt/slides/slide16.xml><?xml version="1.0" encoding="utf-8"?>
+<file path=ppt/slides/slide17.xml><?xml version="1.0" encoding="utf-8"?>
 <p:sld xmlns:a="http://schemas.openxmlformats.org/drawingml/2006/main" xmlns:r="http://schemas.openxmlformats.org/officeDocument/2006/relationships" xmlns:p="http://schemas.openxmlformats.org/presentationml/2006/main">
   <p:cSld>
     <p:spTree>

--- a/slides/week10~11.pptx
+++ b/slides/week10~11.pptx
@@ -19,9 +19,10 @@
     <p:sldId id="378" r:id="rId13"/>
     <p:sldId id="379" r:id="rId14"/>
     <p:sldId id="380" r:id="rId15"/>
-    <p:sldId id="357" r:id="rId16"/>
-    <p:sldId id="343" r:id="rId17"/>
-    <p:sldId id="308" r:id="rId18"/>
+    <p:sldId id="372" r:id="rId16"/>
+    <p:sldId id="357" r:id="rId17"/>
+    <p:sldId id="343" r:id="rId18"/>
+    <p:sldId id="308" r:id="rId19"/>
   </p:sldIdLst>
   <p:sldSz cx="12192000" cy="6858000"/>
   <p:notesSz cx="6858000" cy="9144000"/>
@@ -6669,7 +6670,7 @@
         <p:spPr/>
         <p:txBody>
           <a:bodyPr>
-            <a:normAutofit/>
+            <a:normAutofit lnSpcReduction="10000"/>
           </a:bodyPr>
           <a:lstStyle/>
           <a:p>
@@ -6730,6 +6731,33 @@
             <a:r>
               <a:rPr lang="zh-CN" altLang="en-US" sz="2800" dirty="0"/>
               <a:t>因此暂时无法借助用户态测试调试代码，问题正在排查中</a:t>
+            </a:r>
+            <a:endParaRPr lang="en-US" altLang="zh-CN" sz="2800" dirty="0"/>
+          </a:p>
+          <a:p>
+            <a:r>
+              <a:rPr lang="en-US" altLang="zh-CN" sz="2800" dirty="0"/>
+              <a:t>Update</a:t>
+            </a:r>
+            <a:r>
+              <a:rPr lang="zh-CN" altLang="en-US" sz="2800" dirty="0"/>
+              <a:t>：问题已解决，使用全局标记</a:t>
+            </a:r>
+            <a:r>
+              <a:rPr lang="en-US" altLang="zh-CN" sz="2800" dirty="0"/>
+              <a:t>flag</a:t>
+            </a:r>
+            <a:r>
+              <a:rPr lang="zh-CN" altLang="en-US" sz="2800" dirty="0"/>
+              <a:t>记录是否嵌套，若嵌套则转为</a:t>
+            </a:r>
+            <a:r>
+              <a:rPr lang="en-US" altLang="zh-CN" sz="2800" dirty="0"/>
+              <a:t>system</a:t>
+            </a:r>
+            <a:r>
+              <a:rPr lang="zh-CN" altLang="en-US" sz="2800" dirty="0"/>
+              <a:t>分配内存</a:t>
             </a:r>
             <a:endParaRPr lang="en-US" altLang="zh-CN" sz="2800" dirty="0"/>
           </a:p>
@@ -6787,217 +6815,514 @@
           <a:lstStyle/>
           <a:p>
             <a:r>
-              <a:rPr lang="en-US" altLang="zh-CN" dirty="0" err="1"/>
-              <a:t>todo</a:t>
-            </a:r>
-            <a:r>
-              <a:rPr lang="en-US" altLang="zh-CN" dirty="0"/>
-              <a:t> list</a:t>
-            </a:r>
-            <a:endParaRPr lang="zh-CN" altLang="en-US" dirty="0"/>
-          </a:p>
-        </p:txBody>
-      </p:sp>
-      <p:sp>
-        <p:nvSpPr>
-          <p:cNvPr id="3" name="内容占位符 2">
+              <a:rPr lang="zh-CN" altLang="en-US" dirty="0"/>
+              <a:t>测试结果</a:t>
+            </a:r>
+          </a:p>
+        </p:txBody>
+      </p:sp>
+      <p:graphicFrame>
+        <p:nvGraphicFramePr>
+          <p:cNvPr id="3" name="表格 3">
             <a:extLst>
               <a:ext uri="{FF2B5EF4-FFF2-40B4-BE49-F238E27FC236}">
-                <a16:creationId xmlns:a16="http://schemas.microsoft.com/office/drawing/2014/main" id="{52F62A12-D4E0-4C0C-C0A0-B87454FA9007}"/>
+                <a16:creationId xmlns:a16="http://schemas.microsoft.com/office/drawing/2014/main" id="{E8BB032C-C320-4024-9209-D20FE7227FE7}"/>
               </a:ext>
             </a:extLst>
           </p:cNvPr>
-          <p:cNvSpPr>
-            <a:spLocks noGrp="1"/>
-          </p:cNvSpPr>
+          <p:cNvGraphicFramePr>
+            <a:graphicFrameLocks noGrp="1"/>
+          </p:cNvGraphicFramePr>
           <p:nvPr>
             <p:ph idx="1"/>
-          </p:nvPr>
-        </p:nvSpPr>
-        <p:spPr>
-          <a:xfrm>
-            <a:off x="677334" y="1611949"/>
-            <a:ext cx="8933010" cy="4779707"/>
-          </a:xfrm>
-        </p:spPr>
-        <p:txBody>
-          <a:bodyPr>
-            <a:normAutofit/>
-          </a:bodyPr>
-          <a:lstStyle/>
-          <a:p>
-            <a:r>
-              <a:rPr lang="en-US" altLang="zh-CN" sz="2600" dirty="0">
-                <a:solidFill>
-                  <a:srgbClr val="000000"/>
-                </a:solidFill>
-                <a:latin typeface="-apple-system"/>
-              </a:rPr>
-              <a:t>TODO</a:t>
-            </a:r>
-            <a:r>
-              <a:rPr lang="zh-CN" altLang="en-US" sz="2600" dirty="0">
-                <a:solidFill>
-                  <a:srgbClr val="000000"/>
-                </a:solidFill>
-                <a:latin typeface="-apple-system"/>
-              </a:rPr>
-              <a:t>：</a:t>
-            </a:r>
-            <a:endParaRPr lang="en-US" altLang="zh-CN" sz="2600" dirty="0">
-              <a:solidFill>
-                <a:srgbClr val="000000"/>
-              </a:solidFill>
-              <a:latin typeface="-apple-system"/>
-            </a:endParaRPr>
-          </a:p>
-          <a:p>
-            <a:r>
-              <a:rPr lang="zh-CN" altLang="en-US" sz="2600" dirty="0">
-                <a:solidFill>
-                  <a:srgbClr val="000000"/>
-                </a:solidFill>
-                <a:latin typeface="-apple-system"/>
-              </a:rPr>
-              <a:t>完善已有算法</a:t>
-            </a:r>
-            <a:endParaRPr lang="en-US" altLang="zh-CN" sz="2600" dirty="0">
-              <a:solidFill>
-                <a:srgbClr val="000000"/>
-              </a:solidFill>
-              <a:latin typeface="-apple-system"/>
-            </a:endParaRPr>
-          </a:p>
-          <a:p>
-            <a:r>
-              <a:rPr lang="zh-CN" altLang="en-US" sz="2600" dirty="0">
-                <a:solidFill>
-                  <a:srgbClr val="000000"/>
-                </a:solidFill>
-                <a:latin typeface="-apple-system"/>
-              </a:rPr>
-              <a:t>完善已有测试框架和测例</a:t>
-            </a:r>
-            <a:endParaRPr lang="en-US" altLang="zh-CN" sz="2600" dirty="0">
-              <a:solidFill>
-                <a:srgbClr val="000000"/>
-              </a:solidFill>
-              <a:latin typeface="-apple-system"/>
-            </a:endParaRPr>
-          </a:p>
-          <a:p>
-            <a:r>
-              <a:rPr lang="zh-CN" altLang="en-US" sz="2600" dirty="0">
-                <a:solidFill>
-                  <a:srgbClr val="000000"/>
-                </a:solidFill>
-                <a:latin typeface="-apple-system"/>
-              </a:rPr>
-              <a:t>实现</a:t>
-            </a:r>
-            <a:r>
-              <a:rPr lang="en-US" altLang="zh-CN" sz="2600" dirty="0">
-                <a:solidFill>
-                  <a:srgbClr val="000000"/>
-                </a:solidFill>
-                <a:latin typeface="-apple-system"/>
-              </a:rPr>
-              <a:t>rust</a:t>
-            </a:r>
-            <a:r>
-              <a:rPr lang="zh-CN" altLang="en-US" sz="2600" dirty="0">
-                <a:solidFill>
-                  <a:srgbClr val="000000"/>
-                </a:solidFill>
-                <a:latin typeface="-apple-system"/>
-              </a:rPr>
-              <a:t>版本，单线程的</a:t>
-            </a:r>
-            <a:r>
-              <a:rPr lang="en-US" altLang="zh-CN" sz="2600" dirty="0" err="1">
-                <a:solidFill>
-                  <a:srgbClr val="000000"/>
-                </a:solidFill>
-                <a:latin typeface="-apple-system"/>
-              </a:rPr>
-              <a:t>mimalloc</a:t>
-            </a:r>
-            <a:endParaRPr lang="en-US" altLang="zh-CN" sz="2600" dirty="0">
-              <a:solidFill>
-                <a:srgbClr val="000000"/>
-              </a:solidFill>
-              <a:latin typeface="-apple-system"/>
-            </a:endParaRPr>
-          </a:p>
-          <a:p>
-            <a:r>
-              <a:rPr lang="zh-CN" altLang="en-US" sz="2600" dirty="0">
-                <a:solidFill>
-                  <a:srgbClr val="000000"/>
-                </a:solidFill>
-                <a:latin typeface="-apple-system"/>
-              </a:rPr>
-              <a:t>实现</a:t>
-            </a:r>
-            <a:r>
-              <a:rPr lang="en-US" altLang="zh-CN" sz="2600" dirty="0">
-                <a:solidFill>
-                  <a:srgbClr val="000000"/>
-                </a:solidFill>
-                <a:latin typeface="-apple-system"/>
-              </a:rPr>
-              <a:t>rust</a:t>
-            </a:r>
-            <a:r>
-              <a:rPr lang="zh-CN" altLang="en-US" sz="2600" dirty="0">
-                <a:solidFill>
-                  <a:srgbClr val="000000"/>
-                </a:solidFill>
-                <a:latin typeface="-apple-system"/>
-              </a:rPr>
-              <a:t>版本，多线程的</a:t>
-            </a:r>
-            <a:r>
-              <a:rPr lang="en-US" altLang="zh-CN" sz="2600" dirty="0" err="1">
-                <a:solidFill>
-                  <a:srgbClr val="000000"/>
-                </a:solidFill>
-                <a:latin typeface="-apple-system"/>
-              </a:rPr>
-              <a:t>mimalloc</a:t>
-            </a:r>
-            <a:endParaRPr lang="en-US" altLang="zh-CN" sz="2600" dirty="0">
-              <a:solidFill>
-                <a:srgbClr val="000000"/>
-              </a:solidFill>
-              <a:latin typeface="-apple-system"/>
-            </a:endParaRPr>
-          </a:p>
-          <a:p>
-            <a:r>
-              <a:rPr lang="en-US" altLang="zh-CN" sz="2600" b="0" i="0" dirty="0">
-                <a:solidFill>
-                  <a:srgbClr val="000000"/>
-                </a:solidFill>
-                <a:effectLst/>
-                <a:latin typeface="-apple-system"/>
-              </a:rPr>
-              <a:t>……</a:t>
-            </a:r>
-            <a:endParaRPr lang="en-US" altLang="zh-CN" sz="2800" b="0" i="0" dirty="0">
-              <a:solidFill>
-                <a:srgbClr val="000000"/>
-              </a:solidFill>
-              <a:effectLst/>
-              <a:latin typeface="-apple-system"/>
-            </a:endParaRPr>
-          </a:p>
-        </p:txBody>
-      </p:sp>
+            <p:extLst>
+              <p:ext uri="{D42A27DB-BD31-4B8C-83A1-F6EECF244321}">
+                <p14:modId xmlns:p14="http://schemas.microsoft.com/office/powerpoint/2010/main" val="2762232902"/>
+              </p:ext>
+            </p:extLst>
+          </p:nvPr>
+        </p:nvGraphicFramePr>
+        <p:xfrm>
+          <a:off x="1009240" y="2699290"/>
+          <a:ext cx="10512198" cy="1652460"/>
+        </p:xfrm>
+        <a:graphic>
+          <a:graphicData uri="http://schemas.openxmlformats.org/drawingml/2006/table">
+            <a:tbl>
+              <a:tblPr firstRow="1" bandRow="1">
+                <a:tableStyleId>{5C22544A-7EE6-4342-B048-85BDC9FD1C3A}</a:tableStyleId>
+              </a:tblPr>
+              <a:tblGrid>
+                <a:gridCol w="1168022">
+                  <a:extLst>
+                    <a:ext uri="{9D8B030D-6E8A-4147-A177-3AD203B41FA5}">
+                      <a16:colId xmlns:a16="http://schemas.microsoft.com/office/drawing/2014/main" val="2329672705"/>
+                    </a:ext>
+                  </a:extLst>
+                </a:gridCol>
+                <a:gridCol w="1168022">
+                  <a:extLst>
+                    <a:ext uri="{9D8B030D-6E8A-4147-A177-3AD203B41FA5}">
+                      <a16:colId xmlns:a16="http://schemas.microsoft.com/office/drawing/2014/main" val="3033474478"/>
+                    </a:ext>
+                  </a:extLst>
+                </a:gridCol>
+                <a:gridCol w="1168022">
+                  <a:extLst>
+                    <a:ext uri="{9D8B030D-6E8A-4147-A177-3AD203B41FA5}">
+                      <a16:colId xmlns:a16="http://schemas.microsoft.com/office/drawing/2014/main" val="220977365"/>
+                    </a:ext>
+                  </a:extLst>
+                </a:gridCol>
+                <a:gridCol w="1168022">
+                  <a:extLst>
+                    <a:ext uri="{9D8B030D-6E8A-4147-A177-3AD203B41FA5}">
+                      <a16:colId xmlns:a16="http://schemas.microsoft.com/office/drawing/2014/main" val="4036585437"/>
+                    </a:ext>
+                  </a:extLst>
+                </a:gridCol>
+                <a:gridCol w="1168022">
+                  <a:extLst>
+                    <a:ext uri="{9D8B030D-6E8A-4147-A177-3AD203B41FA5}">
+                      <a16:colId xmlns:a16="http://schemas.microsoft.com/office/drawing/2014/main" val="557476425"/>
+                    </a:ext>
+                  </a:extLst>
+                </a:gridCol>
+                <a:gridCol w="1168022">
+                  <a:extLst>
+                    <a:ext uri="{9D8B030D-6E8A-4147-A177-3AD203B41FA5}">
+                      <a16:colId xmlns:a16="http://schemas.microsoft.com/office/drawing/2014/main" val="1316372327"/>
+                    </a:ext>
+                  </a:extLst>
+                </a:gridCol>
+                <a:gridCol w="1168022">
+                  <a:extLst>
+                    <a:ext uri="{9D8B030D-6E8A-4147-A177-3AD203B41FA5}">
+                      <a16:colId xmlns:a16="http://schemas.microsoft.com/office/drawing/2014/main" val="3388956317"/>
+                    </a:ext>
+                  </a:extLst>
+                </a:gridCol>
+                <a:gridCol w="1168022">
+                  <a:extLst>
+                    <a:ext uri="{9D8B030D-6E8A-4147-A177-3AD203B41FA5}">
+                      <a16:colId xmlns:a16="http://schemas.microsoft.com/office/drawing/2014/main" val="2589980045"/>
+                    </a:ext>
+                  </a:extLst>
+                </a:gridCol>
+                <a:gridCol w="1168022">
+                  <a:extLst>
+                    <a:ext uri="{9D8B030D-6E8A-4147-A177-3AD203B41FA5}">
+                      <a16:colId xmlns:a16="http://schemas.microsoft.com/office/drawing/2014/main" val="923663065"/>
+                    </a:ext>
+                  </a:extLst>
+                </a:gridCol>
+              </a:tblGrid>
+              <a:tr h="550820">
+                <a:tc>
+                  <a:txBody>
+                    <a:bodyPr/>
+                    <a:lstStyle/>
+                    <a:p>
+                      <a:r>
+                        <a:rPr lang="zh-CN" altLang="en-US" dirty="0"/>
+                        <a:t>测例</a:t>
+                      </a:r>
+                    </a:p>
+                  </a:txBody>
+                  <a:tcPr/>
+                </a:tc>
+                <a:tc>
+                  <a:txBody>
+                    <a:bodyPr/>
+                    <a:lstStyle/>
+                    <a:p>
+                      <a:r>
+                        <a:rPr lang="en-US" altLang="zh-CN" dirty="0"/>
+                        <a:t>System</a:t>
+                      </a:r>
+                      <a:endParaRPr lang="zh-CN" altLang="en-US" dirty="0"/>
+                    </a:p>
+                  </a:txBody>
+                  <a:tcPr/>
+                </a:tc>
+                <a:tc>
+                  <a:txBody>
+                    <a:bodyPr/>
+                    <a:lstStyle/>
+                    <a:p>
+                      <a:r>
+                        <a:rPr lang="en-US" altLang="zh-CN" dirty="0"/>
+                        <a:t>Buddy</a:t>
+                      </a:r>
+                      <a:endParaRPr lang="zh-CN" altLang="en-US" dirty="0"/>
+                    </a:p>
+                  </a:txBody>
+                  <a:tcPr/>
+                </a:tc>
+                <a:tc>
+                  <a:txBody>
+                    <a:bodyPr/>
+                    <a:lstStyle/>
+                    <a:p>
+                      <a:r>
+                        <a:rPr lang="en-US" altLang="zh-CN" dirty="0"/>
+                        <a:t>Slab</a:t>
+                      </a:r>
+                      <a:endParaRPr lang="zh-CN" altLang="en-US" dirty="0"/>
+                    </a:p>
+                  </a:txBody>
+                  <a:tcPr/>
+                </a:tc>
+                <a:tc>
+                  <a:txBody>
+                    <a:bodyPr/>
+                    <a:lstStyle/>
+                    <a:p>
+                      <a:r>
+                        <a:rPr lang="en-US" altLang="zh-CN" dirty="0"/>
+                        <a:t>First fit</a:t>
+                      </a:r>
+                      <a:endParaRPr lang="zh-CN" altLang="en-US" dirty="0"/>
+                    </a:p>
+                  </a:txBody>
+                  <a:tcPr/>
+                </a:tc>
+                <a:tc>
+                  <a:txBody>
+                    <a:bodyPr/>
+                    <a:lstStyle/>
+                    <a:p>
+                      <a:r>
+                        <a:rPr lang="en-US" altLang="zh-CN" dirty="0"/>
+                        <a:t>Best fit</a:t>
+                      </a:r>
+                      <a:endParaRPr lang="zh-CN" altLang="en-US" dirty="0"/>
+                    </a:p>
+                  </a:txBody>
+                  <a:tcPr/>
+                </a:tc>
+                <a:tc>
+                  <a:txBody>
+                    <a:bodyPr/>
+                    <a:lstStyle/>
+                    <a:p>
+                      <a:r>
+                        <a:rPr lang="en-US" altLang="zh-CN" dirty="0"/>
+                        <a:t>Worst fit</a:t>
+                      </a:r>
+                      <a:endParaRPr lang="zh-CN" altLang="en-US" dirty="0"/>
+                    </a:p>
+                  </a:txBody>
+                  <a:tcPr/>
+                </a:tc>
+                <a:tc>
+                  <a:txBody>
+                    <a:bodyPr/>
+                    <a:lstStyle/>
+                    <a:p>
+                      <a:r>
+                        <a:rPr lang="en-US" altLang="zh-CN" dirty="0"/>
+                        <a:t>TLSF_C</a:t>
+                      </a:r>
+                      <a:endParaRPr lang="zh-CN" altLang="en-US" dirty="0"/>
+                    </a:p>
+                  </a:txBody>
+                  <a:tcPr/>
+                </a:tc>
+                <a:tc>
+                  <a:txBody>
+                    <a:bodyPr/>
+                    <a:lstStyle/>
+                    <a:p>
+                      <a:r>
+                        <a:rPr lang="en-US" altLang="zh-CN" dirty="0" err="1"/>
+                        <a:t>TLSF_Rust</a:t>
+                      </a:r>
+                      <a:endParaRPr lang="zh-CN" altLang="en-US" dirty="0"/>
+                    </a:p>
+                  </a:txBody>
+                  <a:tcPr/>
+                </a:tc>
+                <a:extLst>
+                  <a:ext uri="{0D108BD9-81ED-4DB2-BD59-A6C34878D82A}">
+                    <a16:rowId xmlns:a16="http://schemas.microsoft.com/office/drawing/2014/main" val="1622748093"/>
+                  </a:ext>
+                </a:extLst>
+              </a:tr>
+              <a:tr h="550820">
+                <a:tc>
+                  <a:txBody>
+                    <a:bodyPr/>
+                    <a:lstStyle/>
+                    <a:p>
+                      <a:r>
+                        <a:rPr lang="en-US" altLang="zh-CN" dirty="0"/>
+                        <a:t>Basic test</a:t>
+                      </a:r>
+                      <a:endParaRPr lang="zh-CN" altLang="en-US" dirty="0"/>
+                    </a:p>
+                  </a:txBody>
+                  <a:tcPr/>
+                </a:tc>
+                <a:tc>
+                  <a:txBody>
+                    <a:bodyPr/>
+                    <a:lstStyle/>
+                    <a:p>
+                      <a:r>
+                        <a:rPr lang="en-US" altLang="zh-CN" dirty="0"/>
+                        <a:t>0.375s</a:t>
+                      </a:r>
+                      <a:endParaRPr lang="zh-CN" altLang="en-US" dirty="0"/>
+                    </a:p>
+                  </a:txBody>
+                  <a:tcPr/>
+                </a:tc>
+                <a:tc>
+                  <a:txBody>
+                    <a:bodyPr/>
+                    <a:lstStyle/>
+                    <a:p>
+                      <a:r>
+                        <a:rPr lang="en-US" altLang="zh-CN" dirty="0"/>
+                        <a:t>8.297s</a:t>
+                      </a:r>
+                      <a:endParaRPr lang="zh-CN" altLang="en-US" dirty="0"/>
+                    </a:p>
+                  </a:txBody>
+                  <a:tcPr/>
+                </a:tc>
+                <a:tc>
+                  <a:txBody>
+                    <a:bodyPr/>
+                    <a:lstStyle/>
+                    <a:p>
+                      <a:r>
+                        <a:rPr lang="en-US" altLang="zh-CN" dirty="0"/>
+                        <a:t>0.591s</a:t>
+                      </a:r>
+                      <a:endParaRPr lang="zh-CN" altLang="en-US" dirty="0"/>
+                    </a:p>
+                  </a:txBody>
+                  <a:tcPr/>
+                </a:tc>
+                <a:tc>
+                  <a:txBody>
+                    <a:bodyPr/>
+                    <a:lstStyle/>
+                    <a:p>
+                      <a:r>
+                        <a:rPr lang="en-US" altLang="zh-CN" dirty="0"/>
+                        <a:t>0.366s</a:t>
+                      </a:r>
+                      <a:endParaRPr lang="zh-CN" altLang="en-US" dirty="0"/>
+                    </a:p>
+                  </a:txBody>
+                  <a:tcPr/>
+                </a:tc>
+                <a:tc>
+                  <a:txBody>
+                    <a:bodyPr/>
+                    <a:lstStyle/>
+                    <a:p>
+                      <a:r>
+                        <a:rPr lang="en-US" altLang="zh-CN" dirty="0"/>
+                        <a:t>1.967s</a:t>
+                      </a:r>
+                      <a:endParaRPr lang="zh-CN" altLang="en-US" dirty="0"/>
+                    </a:p>
+                  </a:txBody>
+                  <a:tcPr/>
+                </a:tc>
+                <a:tc>
+                  <a:txBody>
+                    <a:bodyPr/>
+                    <a:lstStyle/>
+                    <a:p>
+                      <a:r>
+                        <a:rPr lang="en-US" altLang="zh-CN" dirty="0"/>
+                        <a:t>14.479s</a:t>
+                      </a:r>
+                      <a:endParaRPr lang="zh-CN" altLang="en-US" dirty="0"/>
+                    </a:p>
+                  </a:txBody>
+                  <a:tcPr/>
+                </a:tc>
+                <a:tc>
+                  <a:txBody>
+                    <a:bodyPr/>
+                    <a:lstStyle/>
+                    <a:p>
+                      <a:r>
+                        <a:rPr lang="en-US" altLang="zh-CN" dirty="0"/>
+                        <a:t>0.357s</a:t>
+                      </a:r>
+                      <a:endParaRPr lang="zh-CN" altLang="en-US" dirty="0"/>
+                    </a:p>
+                  </a:txBody>
+                  <a:tcPr/>
+                </a:tc>
+                <a:tc>
+                  <a:txBody>
+                    <a:bodyPr/>
+                    <a:lstStyle/>
+                    <a:p>
+                      <a:r>
+                        <a:rPr lang="en-US" altLang="zh-CN" dirty="0"/>
+                        <a:t>0.378s</a:t>
+                      </a:r>
+                      <a:endParaRPr lang="zh-CN" altLang="en-US" dirty="0"/>
+                    </a:p>
+                  </a:txBody>
+                  <a:tcPr/>
+                </a:tc>
+                <a:extLst>
+                  <a:ext uri="{0D108BD9-81ED-4DB2-BD59-A6C34878D82A}">
+                    <a16:rowId xmlns:a16="http://schemas.microsoft.com/office/drawing/2014/main" val="1876965078"/>
+                  </a:ext>
+                </a:extLst>
+              </a:tr>
+              <a:tr h="550820">
+                <a:tc>
+                  <a:txBody>
+                    <a:bodyPr/>
+                    <a:lstStyle/>
+                    <a:p>
+                      <a:r>
+                        <a:rPr lang="en-US" altLang="zh-CN" dirty="0" err="1"/>
+                        <a:t>Mitest</a:t>
+                      </a:r>
+                      <a:endParaRPr lang="zh-CN" altLang="en-US" dirty="0"/>
+                    </a:p>
+                  </a:txBody>
+                  <a:tcPr/>
+                </a:tc>
+                <a:tc>
+                  <a:txBody>
+                    <a:bodyPr/>
+                    <a:lstStyle/>
+                    <a:p>
+                      <a:r>
+                        <a:rPr lang="en-US" altLang="zh-CN" dirty="0"/>
+                        <a:t>0.054s</a:t>
+                      </a:r>
+                      <a:endParaRPr lang="zh-CN" altLang="en-US" dirty="0"/>
+                    </a:p>
+                  </a:txBody>
+                  <a:tcPr/>
+                </a:tc>
+                <a:tc>
+                  <a:txBody>
+                    <a:bodyPr/>
+                    <a:lstStyle/>
+                    <a:p>
+                      <a:r>
+                        <a:rPr lang="en-US" altLang="zh-CN" dirty="0"/>
+                        <a:t>0.053s</a:t>
+                      </a:r>
+                      <a:endParaRPr lang="zh-CN" altLang="en-US" dirty="0"/>
+                    </a:p>
+                  </a:txBody>
+                  <a:tcPr/>
+                </a:tc>
+                <a:tc>
+                  <a:txBody>
+                    <a:bodyPr/>
+                    <a:lstStyle/>
+                    <a:p>
+                      <a:r>
+                        <a:rPr lang="en-US" altLang="zh-CN" dirty="0"/>
+                        <a:t>0.053s</a:t>
+                      </a:r>
+                      <a:endParaRPr lang="zh-CN" altLang="en-US" dirty="0"/>
+                    </a:p>
+                  </a:txBody>
+                  <a:tcPr/>
+                </a:tc>
+                <a:tc>
+                  <a:txBody>
+                    <a:bodyPr/>
+                    <a:lstStyle/>
+                    <a:p>
+                      <a:r>
+                        <a:rPr lang="en-US" altLang="zh-CN" dirty="0"/>
+                        <a:t>0.071s</a:t>
+                      </a:r>
+                      <a:endParaRPr lang="zh-CN" altLang="en-US" dirty="0"/>
+                    </a:p>
+                  </a:txBody>
+                  <a:tcPr/>
+                </a:tc>
+                <a:tc>
+                  <a:txBody>
+                    <a:bodyPr/>
+                    <a:lstStyle/>
+                    <a:p>
+                      <a:r>
+                        <a:rPr lang="en-US" altLang="zh-CN" dirty="0"/>
+                        <a:t>0.070s</a:t>
+                      </a:r>
+                      <a:endParaRPr lang="zh-CN" altLang="en-US" dirty="0"/>
+                    </a:p>
+                  </a:txBody>
+                  <a:tcPr/>
+                </a:tc>
+                <a:tc>
+                  <a:txBody>
+                    <a:bodyPr/>
+                    <a:lstStyle/>
+                    <a:p>
+                      <a:r>
+                        <a:rPr lang="en-US" altLang="zh-CN" dirty="0"/>
+                        <a:t>0.071s</a:t>
+                      </a:r>
+                      <a:endParaRPr lang="zh-CN" altLang="en-US" dirty="0"/>
+                    </a:p>
+                  </a:txBody>
+                  <a:tcPr/>
+                </a:tc>
+                <a:tc>
+                  <a:txBody>
+                    <a:bodyPr/>
+                    <a:lstStyle/>
+                    <a:p>
+                      <a:r>
+                        <a:rPr lang="en-US" altLang="zh-CN" dirty="0"/>
+                        <a:t>0.056s</a:t>
+                      </a:r>
+                      <a:endParaRPr lang="zh-CN" altLang="en-US" dirty="0"/>
+                    </a:p>
+                  </a:txBody>
+                  <a:tcPr/>
+                </a:tc>
+                <a:tc>
+                  <a:txBody>
+                    <a:bodyPr/>
+                    <a:lstStyle/>
+                    <a:p>
+                      <a:r>
+                        <a:rPr lang="en-US" altLang="zh-CN" dirty="0"/>
+                        <a:t>0.072s</a:t>
+                      </a:r>
+                      <a:endParaRPr lang="zh-CN" altLang="en-US" dirty="0"/>
+                    </a:p>
+                  </a:txBody>
+                  <a:tcPr/>
+                </a:tc>
+                <a:extLst>
+                  <a:ext uri="{0D108BD9-81ED-4DB2-BD59-A6C34878D82A}">
+                    <a16:rowId xmlns:a16="http://schemas.microsoft.com/office/drawing/2014/main" val="4191600091"/>
+                  </a:ext>
+                </a:extLst>
+              </a:tr>
+            </a:tbl>
+          </a:graphicData>
+        </a:graphic>
+      </p:graphicFrame>
     </p:spTree>
     <p:extLst>
       <p:ext uri="{BB962C8B-B14F-4D97-AF65-F5344CB8AC3E}">
-        <p14:creationId xmlns:p14="http://schemas.microsoft.com/office/powerpoint/2010/main" val="2548974995"/>
+        <p14:creationId xmlns:p14="http://schemas.microsoft.com/office/powerpoint/2010/main" val="2598383851"/>
       </p:ext>
     </p:extLst>
   </p:cSld>
@@ -7046,6 +7371,336 @@
           <a:lstStyle/>
           <a:p>
             <a:r>
+              <a:rPr lang="en-US" altLang="zh-CN" dirty="0" err="1"/>
+              <a:t>todo</a:t>
+            </a:r>
+            <a:r>
+              <a:rPr lang="en-US" altLang="zh-CN" dirty="0"/>
+              <a:t> list</a:t>
+            </a:r>
+            <a:endParaRPr lang="zh-CN" altLang="en-US" dirty="0"/>
+          </a:p>
+        </p:txBody>
+      </p:sp>
+      <p:sp>
+        <p:nvSpPr>
+          <p:cNvPr id="3" name="内容占位符 2">
+            <a:extLst>
+              <a:ext uri="{FF2B5EF4-FFF2-40B4-BE49-F238E27FC236}">
+                <a16:creationId xmlns:a16="http://schemas.microsoft.com/office/drawing/2014/main" id="{52F62A12-D4E0-4C0C-C0A0-B87454FA9007}"/>
+              </a:ext>
+            </a:extLst>
+          </p:cNvPr>
+          <p:cNvSpPr>
+            <a:spLocks noGrp="1"/>
+          </p:cNvSpPr>
+          <p:nvPr>
+            <p:ph idx="1"/>
+          </p:nvPr>
+        </p:nvSpPr>
+        <p:spPr>
+          <a:xfrm>
+            <a:off x="677334" y="1611949"/>
+            <a:ext cx="8933010" cy="4779707"/>
+          </a:xfrm>
+        </p:spPr>
+        <p:txBody>
+          <a:bodyPr>
+            <a:normAutofit/>
+          </a:bodyPr>
+          <a:lstStyle/>
+          <a:p>
+            <a:r>
+              <a:rPr lang="en-US" altLang="zh-CN" sz="2600" dirty="0">
+                <a:solidFill>
+                  <a:srgbClr val="000000"/>
+                </a:solidFill>
+                <a:latin typeface="-apple-system"/>
+              </a:rPr>
+              <a:t>TODO</a:t>
+            </a:r>
+            <a:r>
+              <a:rPr lang="zh-CN" altLang="en-US" sz="2600" dirty="0">
+                <a:solidFill>
+                  <a:srgbClr val="000000"/>
+                </a:solidFill>
+                <a:latin typeface="-apple-system"/>
+              </a:rPr>
+              <a:t>：</a:t>
+            </a:r>
+            <a:endParaRPr lang="en-US" altLang="zh-CN" sz="2600" dirty="0">
+              <a:solidFill>
+                <a:srgbClr val="000000"/>
+              </a:solidFill>
+              <a:latin typeface="-apple-system"/>
+            </a:endParaRPr>
+          </a:p>
+          <a:p>
+            <a:r>
+              <a:rPr lang="zh-CN" altLang="en-US" sz="2600" dirty="0">
+                <a:solidFill>
+                  <a:srgbClr val="000000"/>
+                </a:solidFill>
+                <a:latin typeface="-apple-system"/>
+              </a:rPr>
+              <a:t>将</a:t>
+            </a:r>
+            <a:r>
+              <a:rPr lang="en-US" altLang="zh-CN" sz="2600" dirty="0">
+                <a:solidFill>
+                  <a:srgbClr val="000000"/>
+                </a:solidFill>
+                <a:latin typeface="-apple-system"/>
+              </a:rPr>
+              <a:t>TLSF</a:t>
+            </a:r>
+            <a:r>
+              <a:rPr lang="zh-CN" altLang="en-US" sz="2600" dirty="0">
+                <a:solidFill>
+                  <a:srgbClr val="000000"/>
+                </a:solidFill>
+                <a:latin typeface="-apple-system"/>
+              </a:rPr>
+              <a:t>接入现有的</a:t>
+            </a:r>
+            <a:r>
+              <a:rPr lang="en-US" altLang="zh-CN" sz="2600" dirty="0" err="1">
+                <a:solidFill>
+                  <a:srgbClr val="000000"/>
+                </a:solidFill>
+                <a:latin typeface="-apple-system"/>
+              </a:rPr>
+              <a:t>arceos</a:t>
+            </a:r>
+            <a:r>
+              <a:rPr lang="zh-CN" altLang="en-US" sz="2600" dirty="0">
+                <a:solidFill>
+                  <a:srgbClr val="000000"/>
+                </a:solidFill>
+                <a:latin typeface="-apple-system"/>
+              </a:rPr>
+              <a:t>并在</a:t>
+            </a:r>
+            <a:r>
+              <a:rPr lang="en-US" altLang="zh-CN" sz="2600" dirty="0" err="1">
+                <a:solidFill>
+                  <a:srgbClr val="000000"/>
+                </a:solidFill>
+                <a:latin typeface="-apple-system"/>
+              </a:rPr>
+              <a:t>qemu</a:t>
+            </a:r>
+            <a:r>
+              <a:rPr lang="zh-CN" altLang="en-US" sz="2600" dirty="0">
+                <a:solidFill>
+                  <a:srgbClr val="000000"/>
+                </a:solidFill>
+                <a:latin typeface="-apple-system"/>
+              </a:rPr>
+              <a:t>中跑起来</a:t>
+            </a:r>
+            <a:endParaRPr lang="en-US" altLang="zh-CN" sz="2600" dirty="0">
+              <a:solidFill>
+                <a:srgbClr val="000000"/>
+              </a:solidFill>
+              <a:latin typeface="-apple-system"/>
+            </a:endParaRPr>
+          </a:p>
+          <a:p>
+            <a:r>
+              <a:rPr lang="zh-CN" altLang="en-US" sz="2600" dirty="0">
+                <a:solidFill>
+                  <a:srgbClr val="000000"/>
+                </a:solidFill>
+                <a:latin typeface="-apple-system"/>
+              </a:rPr>
+              <a:t>完善已有算法</a:t>
+            </a:r>
+            <a:endParaRPr lang="en-US" altLang="zh-CN" sz="2600" dirty="0">
+              <a:solidFill>
+                <a:srgbClr val="000000"/>
+              </a:solidFill>
+              <a:latin typeface="-apple-system"/>
+            </a:endParaRPr>
+          </a:p>
+          <a:p>
+            <a:r>
+              <a:rPr lang="zh-CN" altLang="en-US" sz="2600" dirty="0">
+                <a:solidFill>
+                  <a:srgbClr val="000000"/>
+                </a:solidFill>
+                <a:latin typeface="-apple-system"/>
+              </a:rPr>
+              <a:t>完善已有测试框架和测例</a:t>
+            </a:r>
+            <a:endParaRPr lang="en-US" altLang="zh-CN" sz="2600" dirty="0">
+              <a:solidFill>
+                <a:srgbClr val="000000"/>
+              </a:solidFill>
+              <a:latin typeface="-apple-system"/>
+            </a:endParaRPr>
+          </a:p>
+          <a:p>
+            <a:r>
+              <a:rPr lang="zh-CN" altLang="en-US" sz="2600" dirty="0">
+                <a:solidFill>
+                  <a:srgbClr val="000000"/>
+                </a:solidFill>
+                <a:latin typeface="-apple-system"/>
+              </a:rPr>
+              <a:t>实现</a:t>
+            </a:r>
+            <a:r>
+              <a:rPr lang="en-US" altLang="zh-CN" sz="2600" dirty="0">
+                <a:solidFill>
+                  <a:srgbClr val="000000"/>
+                </a:solidFill>
+                <a:latin typeface="-apple-system"/>
+              </a:rPr>
+              <a:t>rust</a:t>
+            </a:r>
+            <a:r>
+              <a:rPr lang="zh-CN" altLang="en-US" sz="2600" dirty="0">
+                <a:solidFill>
+                  <a:srgbClr val="000000"/>
+                </a:solidFill>
+                <a:latin typeface="-apple-system"/>
+              </a:rPr>
+              <a:t>版本，单线程的</a:t>
+            </a:r>
+            <a:r>
+              <a:rPr lang="en-US" altLang="zh-CN" sz="2600" dirty="0" err="1">
+                <a:solidFill>
+                  <a:srgbClr val="000000"/>
+                </a:solidFill>
+                <a:latin typeface="-apple-system"/>
+              </a:rPr>
+              <a:t>mimalloc</a:t>
+            </a:r>
+            <a:endParaRPr lang="en-US" altLang="zh-CN" sz="2600" dirty="0">
+              <a:solidFill>
+                <a:srgbClr val="000000"/>
+              </a:solidFill>
+              <a:latin typeface="-apple-system"/>
+            </a:endParaRPr>
+          </a:p>
+          <a:p>
+            <a:r>
+              <a:rPr lang="zh-CN" altLang="en-US" sz="2600" dirty="0">
+                <a:solidFill>
+                  <a:srgbClr val="000000"/>
+                </a:solidFill>
+                <a:latin typeface="-apple-system"/>
+              </a:rPr>
+              <a:t>实现</a:t>
+            </a:r>
+            <a:r>
+              <a:rPr lang="en-US" altLang="zh-CN" sz="2600" dirty="0">
+                <a:solidFill>
+                  <a:srgbClr val="000000"/>
+                </a:solidFill>
+                <a:latin typeface="-apple-system"/>
+              </a:rPr>
+              <a:t>rust</a:t>
+            </a:r>
+            <a:r>
+              <a:rPr lang="zh-CN" altLang="en-US" sz="2600" dirty="0">
+                <a:solidFill>
+                  <a:srgbClr val="000000"/>
+                </a:solidFill>
+                <a:latin typeface="-apple-system"/>
+              </a:rPr>
+              <a:t>版本，多线程的</a:t>
+            </a:r>
+            <a:r>
+              <a:rPr lang="en-US" altLang="zh-CN" sz="2600" dirty="0" err="1">
+                <a:solidFill>
+                  <a:srgbClr val="000000"/>
+                </a:solidFill>
+                <a:latin typeface="-apple-system"/>
+              </a:rPr>
+              <a:t>mimalloc</a:t>
+            </a:r>
+            <a:endParaRPr lang="en-US" altLang="zh-CN" sz="2600" dirty="0">
+              <a:solidFill>
+                <a:srgbClr val="000000"/>
+              </a:solidFill>
+              <a:latin typeface="-apple-system"/>
+            </a:endParaRPr>
+          </a:p>
+          <a:p>
+            <a:r>
+              <a:rPr lang="en-US" altLang="zh-CN" sz="2600" b="0" i="0" dirty="0">
+                <a:solidFill>
+                  <a:srgbClr val="000000"/>
+                </a:solidFill>
+                <a:effectLst/>
+                <a:latin typeface="-apple-system"/>
+              </a:rPr>
+              <a:t>……</a:t>
+            </a:r>
+            <a:endParaRPr lang="en-US" altLang="zh-CN" sz="2800" b="0" i="0" dirty="0">
+              <a:solidFill>
+                <a:srgbClr val="000000"/>
+              </a:solidFill>
+              <a:effectLst/>
+              <a:latin typeface="-apple-system"/>
+            </a:endParaRPr>
+          </a:p>
+        </p:txBody>
+      </p:sp>
+    </p:spTree>
+    <p:extLst>
+      <p:ext uri="{BB962C8B-B14F-4D97-AF65-F5344CB8AC3E}">
+        <p14:creationId xmlns:p14="http://schemas.microsoft.com/office/powerpoint/2010/main" val="2548974995"/>
+      </p:ext>
+    </p:extLst>
+  </p:cSld>
+  <p:clrMapOvr>
+    <a:masterClrMapping/>
+  </p:clrMapOvr>
+</p:sld>
+</file>
+
+<file path=ppt/slides/slide17.xml><?xml version="1.0" encoding="utf-8"?>
+<p:sld xmlns:a="http://schemas.openxmlformats.org/drawingml/2006/main" xmlns:r="http://schemas.openxmlformats.org/officeDocument/2006/relationships" xmlns:p="http://schemas.openxmlformats.org/presentationml/2006/main">
+  <p:cSld>
+    <p:spTree>
+      <p:nvGrpSpPr>
+        <p:cNvPr id="1" name=""/>
+        <p:cNvGrpSpPr/>
+        <p:nvPr/>
+      </p:nvGrpSpPr>
+      <p:grpSpPr>
+        <a:xfrm>
+          <a:off x="0" y="0"/>
+          <a:ext cx="0" cy="0"/>
+          <a:chOff x="0" y="0"/>
+          <a:chExt cx="0" cy="0"/>
+        </a:xfrm>
+      </p:grpSpPr>
+      <p:sp>
+        <p:nvSpPr>
+          <p:cNvPr id="2" name="标题 1">
+            <a:extLst>
+              <a:ext uri="{FF2B5EF4-FFF2-40B4-BE49-F238E27FC236}">
+                <a16:creationId xmlns:a16="http://schemas.microsoft.com/office/drawing/2014/main" id="{788FCFBC-8C4F-4007-D87C-673F5E242D75}"/>
+              </a:ext>
+            </a:extLst>
+          </p:cNvPr>
+          <p:cNvSpPr>
+            <a:spLocks noGrp="1"/>
+          </p:cNvSpPr>
+          <p:nvPr>
+            <p:ph type="title"/>
+          </p:nvPr>
+        </p:nvSpPr>
+        <p:spPr/>
+        <p:txBody>
+          <a:bodyPr/>
+          <a:lstStyle/>
+          <a:p>
+            <a:r>
               <a:rPr lang="en-US" altLang="zh-CN" dirty="0"/>
               <a:t>reference</a:t>
             </a:r>
@@ -7323,7 +7978,7 @@
 </p:sld>
 </file>
 
-<file path=ppt/slides/slide17.xml><?xml version="1.0" encoding="utf-8"?>
+<file path=ppt/slides/slide18.xml><?xml version="1.0" encoding="utf-8"?>
 <p:sld xmlns:a="http://schemas.openxmlformats.org/drawingml/2006/main" xmlns:r="http://schemas.openxmlformats.org/officeDocument/2006/relationships" xmlns:p="http://schemas.openxmlformats.org/presentationml/2006/main">
   <p:cSld>
     <p:spTree>
